--- a/maptimeDavis.pptx
+++ b/maptimeDavis.pptx
@@ -115,6 +115,11 @@
       </a:defRPr>
     </a:lvl9pPr>
   </p:defaultTextStyle>
+  <p:extLst>
+    <p:ext uri="{EFAFB233-063F-42B5-8137-9DF3F51BA10A}">
+      <p15:sldGuideLst xmlns:p15="http://schemas.microsoft.com/office/powerpoint/2012/main"/>
+    </p:ext>
+  </p:extLst>
 </p:presentation>
 </file>
 
@@ -213,7 +218,7 @@
           <a:effectLst/>
           <a:extLst>
             <a:ext uri="{91240B29-F687-4f45-9708-019B960494DF}">
-              <a14:hiddenLine xmlns:a14="http://schemas.microsoft.com/office/drawing/2010/main" xmlns="" w="9525">
+              <a14:hiddenLine xmlns="" xmlns:a14="http://schemas.microsoft.com/office/drawing/2010/main" w="9525">
                 <a:solidFill>
                   <a:srgbClr val="000000"/>
                 </a:solidFill>
@@ -259,7 +264,9 @@
           <a:bodyPr/>
           <a:lstStyle>
             <a:lvl1pPr>
-              <a:defRPr sz="5400"/>
+              <a:defRPr sz="5400">
+                <a:latin typeface="Comfortaa" panose="00000500000000000000" pitchFamily="2" charset="0"/>
+              </a:defRPr>
             </a:lvl1pPr>
           </a:lstStyle>
           <a:p>
@@ -296,6 +303,7 @@
                 <a:solidFill>
                   <a:schemeClr val="tx1"/>
                 </a:solidFill>
+                <a:latin typeface="Comfortaa" panose="00000500000000000000" pitchFamily="2" charset="0"/>
               </a:defRPr>
             </a:lvl1pPr>
             <a:lvl2pPr marL="457200" indent="0" algn="ctr">
@@ -401,12 +409,18 @@
         <p:spPr/>
         <p:txBody>
           <a:bodyPr/>
-          <a:lstStyle/>
+          <a:lstStyle>
+            <a:lvl1pPr>
+              <a:defRPr>
+                <a:latin typeface="Comfortaa" panose="00000500000000000000" pitchFamily="2" charset="0"/>
+              </a:defRPr>
+            </a:lvl1pPr>
+          </a:lstStyle>
           <a:p>
             <a:fld id="{08B9EBBA-996F-894A-B54A-D6246ED52CEA}" type="datetimeFigureOut">
-              <a:rPr lang="en-US" dirty="0"/>
+              <a:rPr lang="en-US" smtClean="0"/>
               <a:pPr/>
-              <a:t>9/20/2017</a:t>
+              <a:t>9/25/2017</a:t>
             </a:fld>
             <a:endParaRPr lang="en-US" dirty="0"/>
           </a:p>
@@ -425,7 +439,13 @@
         <p:spPr/>
         <p:txBody>
           <a:bodyPr/>
-          <a:lstStyle/>
+          <a:lstStyle>
+            <a:lvl1pPr>
+              <a:defRPr>
+                <a:latin typeface="Comfortaa" panose="00000500000000000000" pitchFamily="2" charset="0"/>
+              </a:defRPr>
+            </a:lvl1pPr>
+          </a:lstStyle>
           <a:p>
             <a:endParaRPr lang="en-US" dirty="0"/>
           </a:p>
@@ -444,10 +464,16 @@
         <p:spPr/>
         <p:txBody>
           <a:bodyPr/>
-          <a:lstStyle/>
+          <a:lstStyle>
+            <a:lvl1pPr>
+              <a:defRPr>
+                <a:latin typeface="Comfortaa" panose="00000500000000000000" pitchFamily="2" charset="0"/>
+              </a:defRPr>
+            </a:lvl1pPr>
+          </a:lstStyle>
           <a:p>
             <a:fld id="{D57F1E4F-1CFF-5643-939E-217C01CDF565}" type="slidenum">
-              <a:rPr lang="en-US" dirty="0"/>
+              <a:rPr lang="en-US" smtClean="0"/>
               <a:pPr/>
               <a:t>‹#›</a:t>
             </a:fld>
@@ -502,7 +528,9 @@
           </a:bodyPr>
           <a:lstStyle>
             <a:lvl1pPr algn="l">
-              <a:defRPr sz="2400" b="0"/>
+              <a:defRPr sz="2400" b="0">
+                <a:latin typeface="Comfortaa" panose="00000500000000000000" pitchFamily="2" charset="0"/>
+              </a:defRPr>
             </a:lvl1pPr>
           </a:lstStyle>
           <a:p>
@@ -624,7 +652,9 @@
             <a:lvl1pPr marL="0" indent="0" algn="ctr">
               <a:buFontTx/>
               <a:buNone/>
-              <a:defRPr sz="1600"/>
+              <a:defRPr sz="1600">
+                <a:latin typeface="Comfortaa" panose="00000500000000000000" pitchFamily="2" charset="0"/>
+              </a:defRPr>
             </a:lvl1pPr>
           </a:lstStyle>
           <a:p>
@@ -659,7 +689,9 @@
           <a:lstStyle>
             <a:lvl1pPr marL="0" indent="0">
               <a:buNone/>
-              <a:defRPr sz="1200"/>
+              <a:defRPr sz="1200">
+                <a:latin typeface="Comfortaa" panose="00000500000000000000" pitchFamily="2" charset="0"/>
+              </a:defRPr>
             </a:lvl1pPr>
             <a:lvl2pPr marL="457200" indent="0">
               <a:buNone/>
@@ -716,12 +748,18 @@
         <p:spPr/>
         <p:txBody>
           <a:bodyPr/>
-          <a:lstStyle/>
+          <a:lstStyle>
+            <a:lvl1pPr>
+              <a:defRPr>
+                <a:latin typeface="Comfortaa" panose="00000500000000000000" pitchFamily="2" charset="0"/>
+              </a:defRPr>
+            </a:lvl1pPr>
+          </a:lstStyle>
           <a:p>
             <a:fld id="{18C79C5D-2A6F-F04D-97DA-BEF2467B64E4}" type="datetimeFigureOut">
-              <a:rPr lang="en-US" dirty="0"/>
+              <a:rPr lang="en-US" smtClean="0"/>
               <a:pPr/>
-              <a:t>9/20/2017</a:t>
+              <a:t>9/25/2017</a:t>
             </a:fld>
             <a:endParaRPr lang="en-US" dirty="0"/>
           </a:p>
@@ -740,7 +778,13 @@
         <p:spPr/>
         <p:txBody>
           <a:bodyPr/>
-          <a:lstStyle/>
+          <a:lstStyle>
+            <a:lvl1pPr>
+              <a:defRPr>
+                <a:latin typeface="Comfortaa" panose="00000500000000000000" pitchFamily="2" charset="0"/>
+              </a:defRPr>
+            </a:lvl1pPr>
+          </a:lstStyle>
           <a:p>
             <a:endParaRPr lang="en-US" dirty="0"/>
           </a:p>
@@ -759,10 +803,16 @@
         <p:spPr/>
         <p:txBody>
           <a:bodyPr/>
-          <a:lstStyle/>
+          <a:lstStyle>
+            <a:lvl1pPr>
+              <a:defRPr>
+                <a:latin typeface="Comfortaa" panose="00000500000000000000" pitchFamily="2" charset="0"/>
+              </a:defRPr>
+            </a:lvl1pPr>
+          </a:lstStyle>
           <a:p>
             <a:fld id="{D57F1E4F-1CFF-5643-939E-217C01CDF565}" type="slidenum">
-              <a:rPr lang="en-US" dirty="0"/>
+              <a:rPr lang="en-US" smtClean="0"/>
               <a:pPr/>
               <a:t>‹#›</a:t>
             </a:fld>
@@ -1023,7 +1073,9 @@
           <a:bodyPr anchor="b"/>
           <a:lstStyle>
             <a:lvl1pPr algn="l">
-              <a:defRPr sz="4200" b="1" cap="none"/>
+              <a:defRPr sz="4200" b="1" cap="none">
+                <a:latin typeface="Comfortaa" panose="00000500000000000000" pitchFamily="2" charset="0"/>
+              </a:defRPr>
             </a:lvl1pPr>
           </a:lstStyle>
           <a:p>
@@ -1062,6 +1114,7 @@
                 <a:solidFill>
                   <a:schemeClr val="tx1"/>
                 </a:solidFill>
+                <a:latin typeface="Comfortaa" panose="00000500000000000000" pitchFamily="2" charset="0"/>
               </a:defRPr>
             </a:lvl1pPr>
             <a:lvl2pPr marL="457200" indent="0">
@@ -1176,7 +1229,9 @@
             <a:lvl1pPr marL="0" indent="0">
               <a:buFontTx/>
               <a:buNone/>
-              <a:defRPr/>
+              <a:defRPr>
+                <a:latin typeface="Comfortaa" panose="00000500000000000000" pitchFamily="2" charset="0"/>
+              </a:defRPr>
             </a:lvl1pPr>
           </a:lstStyle>
           <a:p>
@@ -1201,12 +1256,18 @@
         <p:spPr/>
         <p:txBody>
           <a:bodyPr/>
-          <a:lstStyle/>
+          <a:lstStyle>
+            <a:lvl1pPr>
+              <a:defRPr>
+                <a:latin typeface="Comfortaa" panose="00000500000000000000" pitchFamily="2" charset="0"/>
+              </a:defRPr>
+            </a:lvl1pPr>
+          </a:lstStyle>
           <a:p>
             <a:fld id="{8DFA1846-DA80-1C48-A609-854EA85C59AD}" type="datetimeFigureOut">
-              <a:rPr lang="en-US" dirty="0"/>
+              <a:rPr lang="en-US" smtClean="0"/>
               <a:pPr/>
-              <a:t>9/20/2017</a:t>
+              <a:t>9/25/2017</a:t>
             </a:fld>
             <a:endParaRPr lang="en-US" dirty="0"/>
           </a:p>
@@ -1225,7 +1286,13 @@
         <p:spPr/>
         <p:txBody>
           <a:bodyPr/>
-          <a:lstStyle/>
+          <a:lstStyle>
+            <a:lvl1pPr>
+              <a:defRPr>
+                <a:latin typeface="Comfortaa" panose="00000500000000000000" pitchFamily="2" charset="0"/>
+              </a:defRPr>
+            </a:lvl1pPr>
+          </a:lstStyle>
           <a:p>
             <a:endParaRPr lang="en-US" dirty="0"/>
           </a:p>
@@ -1244,10 +1311,16 @@
         <p:spPr/>
         <p:txBody>
           <a:bodyPr/>
-          <a:lstStyle/>
+          <a:lstStyle>
+            <a:lvl1pPr>
+              <a:defRPr>
+                <a:latin typeface="Comfortaa" panose="00000500000000000000" pitchFamily="2" charset="0"/>
+              </a:defRPr>
+            </a:lvl1pPr>
+          </a:lstStyle>
           <a:p>
             <a:fld id="{D57F1E4F-1CFF-5643-939E-217C01CDF565}" type="slidenum">
-              <a:rPr lang="en-US" dirty="0"/>
+              <a:rPr lang="en-US" smtClean="0"/>
               <a:pPr/>
               <a:t>‹#›</a:t>
             </a:fld>
@@ -1508,7 +1581,9 @@
           <a:bodyPr/>
           <a:lstStyle>
             <a:lvl1pPr>
-              <a:defRPr sz="3200"/>
+              <a:defRPr sz="3200">
+                <a:latin typeface="Comfortaa" panose="00000500000000000000" pitchFamily="2" charset="0"/>
+              </a:defRPr>
             </a:lvl1pPr>
           </a:lstStyle>
           <a:p>
@@ -1542,7 +1617,9 @@
             <a:lvl1pPr marL="0" indent="0">
               <a:buFontTx/>
               <a:buNone/>
-              <a:defRPr/>
+              <a:defRPr>
+                <a:latin typeface="Comfortaa" panose="00000500000000000000" pitchFamily="2" charset="0"/>
+              </a:defRPr>
             </a:lvl1pPr>
           </a:lstStyle>
           <a:p>
@@ -1567,12 +1644,18 @@
         <p:spPr/>
         <p:txBody>
           <a:bodyPr/>
-          <a:lstStyle/>
+          <a:lstStyle>
+            <a:lvl1pPr>
+              <a:defRPr>
+                <a:latin typeface="Comfortaa" panose="00000500000000000000" pitchFamily="2" charset="0"/>
+              </a:defRPr>
+            </a:lvl1pPr>
+          </a:lstStyle>
           <a:p>
             <a:fld id="{FBF54567-0DE4-3F47-BF90-CB84690072F9}" type="datetimeFigureOut">
-              <a:rPr lang="en-US" dirty="0"/>
+              <a:rPr lang="en-US" smtClean="0"/>
               <a:pPr/>
-              <a:t>9/20/2017</a:t>
+              <a:t>9/25/2017</a:t>
             </a:fld>
             <a:endParaRPr lang="en-US" dirty="0"/>
           </a:p>
@@ -1591,7 +1674,13 @@
         <p:spPr/>
         <p:txBody>
           <a:bodyPr/>
-          <a:lstStyle/>
+          <a:lstStyle>
+            <a:lvl1pPr>
+              <a:defRPr>
+                <a:latin typeface="Comfortaa" panose="00000500000000000000" pitchFamily="2" charset="0"/>
+              </a:defRPr>
+            </a:lvl1pPr>
+          </a:lstStyle>
           <a:p>
             <a:endParaRPr lang="en-US" dirty="0"/>
           </a:p>
@@ -1610,10 +1699,16 @@
         <p:spPr/>
         <p:txBody>
           <a:bodyPr/>
-          <a:lstStyle/>
+          <a:lstStyle>
+            <a:lvl1pPr>
+              <a:defRPr>
+                <a:latin typeface="Comfortaa" panose="00000500000000000000" pitchFamily="2" charset="0"/>
+              </a:defRPr>
+            </a:lvl1pPr>
+          </a:lstStyle>
           <a:p>
             <a:fld id="{D57F1E4F-1CFF-5643-939E-217C01CDF565}" type="slidenum">
-              <a:rPr lang="en-US" dirty="0"/>
+              <a:rPr lang="en-US" smtClean="0"/>
               <a:pPr/>
               <a:t>‹#›</a:t>
             </a:fld>
@@ -1723,7 +1818,7 @@
           <a:ln/>
           <a:extLst>
             <a:ext uri="{91240B29-F687-4f45-9708-019B960494DF}">
-              <a14:hiddenLine xmlns:a14="http://schemas.microsoft.com/office/drawing/2010/main" xmlns="" w="9525">
+              <a14:hiddenLine xmlns="" xmlns:a14="http://schemas.microsoft.com/office/drawing/2010/main" w="9525">
                 <a:solidFill>
                   <a:srgbClr val="000000"/>
                 </a:solidFill>
@@ -1762,7 +1857,13 @@
         <p:spPr/>
         <p:txBody>
           <a:bodyPr/>
-          <a:lstStyle/>
+          <a:lstStyle>
+            <a:lvl1pPr>
+              <a:defRPr>
+                <a:latin typeface="Comfortaa" panose="00000500000000000000" pitchFamily="2" charset="0"/>
+              </a:defRPr>
+            </a:lvl1pPr>
+          </a:lstStyle>
           <a:p>
             <a:r>
               <a:rPr lang="en-US" smtClean="0"/>
@@ -1785,7 +1886,33 @@
         <p:spPr/>
         <p:txBody>
           <a:bodyPr vert="eaVert" anchor="t"/>
-          <a:lstStyle/>
+          <a:lstStyle>
+            <a:lvl1pPr>
+              <a:defRPr>
+                <a:latin typeface="Comfortaa" panose="00000500000000000000" pitchFamily="2" charset="0"/>
+              </a:defRPr>
+            </a:lvl1pPr>
+            <a:lvl2pPr>
+              <a:defRPr>
+                <a:latin typeface="Comfortaa" panose="00000500000000000000" pitchFamily="2" charset="0"/>
+              </a:defRPr>
+            </a:lvl2pPr>
+            <a:lvl3pPr>
+              <a:defRPr>
+                <a:latin typeface="Comfortaa" panose="00000500000000000000" pitchFamily="2" charset="0"/>
+              </a:defRPr>
+            </a:lvl3pPr>
+            <a:lvl4pPr>
+              <a:defRPr>
+                <a:latin typeface="Comfortaa" panose="00000500000000000000" pitchFamily="2" charset="0"/>
+              </a:defRPr>
+            </a:lvl4pPr>
+            <a:lvl5pPr>
+              <a:defRPr>
+                <a:latin typeface="Comfortaa" panose="00000500000000000000" pitchFamily="2" charset="0"/>
+              </a:defRPr>
+            </a:lvl5pPr>
+          </a:lstStyle>
           <a:p>
             <a:pPr lvl="0"/>
             <a:r>
@@ -1837,12 +1964,18 @@
         <p:spPr/>
         <p:txBody>
           <a:bodyPr/>
-          <a:lstStyle/>
+          <a:lstStyle>
+            <a:lvl1pPr>
+              <a:defRPr>
+                <a:latin typeface="Comfortaa" panose="00000500000000000000" pitchFamily="2" charset="0"/>
+              </a:defRPr>
+            </a:lvl1pPr>
+          </a:lstStyle>
           <a:p>
             <a:fld id="{C6C52C72-DE31-F449-A4ED-4C594FD91407}" type="datetimeFigureOut">
-              <a:rPr lang="en-US" dirty="0"/>
+              <a:rPr lang="en-US" smtClean="0"/>
               <a:pPr/>
-              <a:t>9/20/2017</a:t>
+              <a:t>9/25/2017</a:t>
             </a:fld>
             <a:endParaRPr lang="en-US" dirty="0"/>
           </a:p>
@@ -1861,7 +1994,13 @@
         <p:spPr/>
         <p:txBody>
           <a:bodyPr/>
-          <a:lstStyle/>
+          <a:lstStyle>
+            <a:lvl1pPr>
+              <a:defRPr>
+                <a:latin typeface="Comfortaa" panose="00000500000000000000" pitchFamily="2" charset="0"/>
+              </a:defRPr>
+            </a:lvl1pPr>
+          </a:lstStyle>
           <a:p>
             <a:endParaRPr lang="en-US" dirty="0"/>
           </a:p>
@@ -1880,10 +2019,16 @@
         <p:spPr/>
         <p:txBody>
           <a:bodyPr/>
-          <a:lstStyle/>
+          <a:lstStyle>
+            <a:lvl1pPr>
+              <a:defRPr>
+                <a:latin typeface="Comfortaa" panose="00000500000000000000" pitchFamily="2" charset="0"/>
+              </a:defRPr>
+            </a:lvl1pPr>
+          </a:lstStyle>
           <a:p>
             <a:fld id="{D57F1E4F-1CFF-5643-939E-217C01CDF565}" type="slidenum">
-              <a:rPr lang="en-US" dirty="0"/>
+              <a:rPr lang="en-US" smtClean="0"/>
               <a:pPr/>
               <a:t>‹#›</a:t>
             </a:fld>
@@ -1995,7 +2140,7 @@
           <a:ln/>
           <a:extLst>
             <a:ext uri="{91240B29-F687-4f45-9708-019B960494DF}">
-              <a14:hiddenLine xmlns:a14="http://schemas.microsoft.com/office/drawing/2010/main" xmlns="" w="9525">
+              <a14:hiddenLine xmlns="" xmlns:a14="http://schemas.microsoft.com/office/drawing/2010/main" w="9525">
                 <a:solidFill>
                   <a:srgbClr val="000000"/>
                 </a:solidFill>
@@ -2039,7 +2184,13 @@
         </p:spPr>
         <p:txBody>
           <a:bodyPr vert="eaVert"/>
-          <a:lstStyle/>
+          <a:lstStyle>
+            <a:lvl1pPr>
+              <a:defRPr>
+                <a:latin typeface="Comfortaa" panose="00000500000000000000" pitchFamily="2" charset="0"/>
+              </a:defRPr>
+            </a:lvl1pPr>
+          </a:lstStyle>
           <a:p>
             <a:r>
               <a:rPr lang="en-US" smtClean="0"/>
@@ -2067,7 +2218,33 @@
         </p:spPr>
         <p:txBody>
           <a:bodyPr vert="eaVert" anchor="t"/>
-          <a:lstStyle/>
+          <a:lstStyle>
+            <a:lvl1pPr>
+              <a:defRPr>
+                <a:latin typeface="Comfortaa" panose="00000500000000000000" pitchFamily="2" charset="0"/>
+              </a:defRPr>
+            </a:lvl1pPr>
+            <a:lvl2pPr>
+              <a:defRPr>
+                <a:latin typeface="Comfortaa" panose="00000500000000000000" pitchFamily="2" charset="0"/>
+              </a:defRPr>
+            </a:lvl2pPr>
+            <a:lvl3pPr>
+              <a:defRPr>
+                <a:latin typeface="Comfortaa" panose="00000500000000000000" pitchFamily="2" charset="0"/>
+              </a:defRPr>
+            </a:lvl3pPr>
+            <a:lvl4pPr>
+              <a:defRPr>
+                <a:latin typeface="Comfortaa" panose="00000500000000000000" pitchFamily="2" charset="0"/>
+              </a:defRPr>
+            </a:lvl4pPr>
+            <a:lvl5pPr>
+              <a:defRPr>
+                <a:latin typeface="Comfortaa" panose="00000500000000000000" pitchFamily="2" charset="0"/>
+              </a:defRPr>
+            </a:lvl5pPr>
+          </a:lstStyle>
           <a:p>
             <a:pPr lvl="0"/>
             <a:r>
@@ -2119,12 +2296,18 @@
         <p:spPr/>
         <p:txBody>
           <a:bodyPr/>
-          <a:lstStyle/>
+          <a:lstStyle>
+            <a:lvl1pPr>
+              <a:defRPr>
+                <a:latin typeface="Comfortaa" panose="00000500000000000000" pitchFamily="2" charset="0"/>
+              </a:defRPr>
+            </a:lvl1pPr>
+          </a:lstStyle>
           <a:p>
             <a:fld id="{ED62726E-379B-B349-9EED-81ED093FA806}" type="datetimeFigureOut">
-              <a:rPr lang="en-US" dirty="0"/>
+              <a:rPr lang="en-US" smtClean="0"/>
               <a:pPr/>
-              <a:t>9/20/2017</a:t>
+              <a:t>9/25/2017</a:t>
             </a:fld>
             <a:endParaRPr lang="en-US" dirty="0"/>
           </a:p>
@@ -2143,7 +2326,13 @@
         <p:spPr/>
         <p:txBody>
           <a:bodyPr/>
-          <a:lstStyle/>
+          <a:lstStyle>
+            <a:lvl1pPr>
+              <a:defRPr>
+                <a:latin typeface="Comfortaa" panose="00000500000000000000" pitchFamily="2" charset="0"/>
+              </a:defRPr>
+            </a:lvl1pPr>
+          </a:lstStyle>
           <a:p>
             <a:endParaRPr lang="en-US" dirty="0"/>
           </a:p>
@@ -2162,10 +2351,16 @@
         <p:spPr/>
         <p:txBody>
           <a:bodyPr/>
-          <a:lstStyle/>
+          <a:lstStyle>
+            <a:lvl1pPr>
+              <a:defRPr>
+                <a:latin typeface="Comfortaa" panose="00000500000000000000" pitchFamily="2" charset="0"/>
+              </a:defRPr>
+            </a:lvl1pPr>
+          </a:lstStyle>
           <a:p>
             <a:fld id="{D57F1E4F-1CFF-5643-939E-217C01CDF565}" type="slidenum">
-              <a:rPr lang="en-US" dirty="0"/>
+              <a:rPr lang="en-US" smtClean="0"/>
               <a:pPr/>
               <a:t>‹#›</a:t>
             </a:fld>
@@ -2275,7 +2470,7 @@
           <a:ln/>
           <a:extLst>
             <a:ext uri="{91240B29-F687-4f45-9708-019B960494DF}">
-              <a14:hiddenLine xmlns:a14="http://schemas.microsoft.com/office/drawing/2010/main" xmlns="" w="9525">
+              <a14:hiddenLine xmlns="" xmlns:a14="http://schemas.microsoft.com/office/drawing/2010/main" w="9525">
                 <a:solidFill>
                   <a:srgbClr val="000000"/>
                 </a:solidFill>
@@ -2319,7 +2514,13 @@
         </p:spPr>
         <p:txBody>
           <a:bodyPr/>
-          <a:lstStyle/>
+          <a:lstStyle>
+            <a:lvl1pPr>
+              <a:defRPr>
+                <a:latin typeface="Comfortaa" panose="00000500000000000000" pitchFamily="2" charset="0"/>
+              </a:defRPr>
+            </a:lvl1pPr>
+          </a:lstStyle>
           <a:p>
             <a:r>
               <a:rPr lang="en-US" smtClean="0"/>
@@ -2347,7 +2548,33 @@
         </p:spPr>
         <p:txBody>
           <a:bodyPr/>
-          <a:lstStyle/>
+          <a:lstStyle>
+            <a:lvl1pPr>
+              <a:defRPr>
+                <a:latin typeface="Comfortaa" panose="00000500000000000000" pitchFamily="2" charset="0"/>
+              </a:defRPr>
+            </a:lvl1pPr>
+            <a:lvl2pPr>
+              <a:defRPr>
+                <a:latin typeface="Comfortaa" panose="00000500000000000000" pitchFamily="2" charset="0"/>
+              </a:defRPr>
+            </a:lvl2pPr>
+            <a:lvl3pPr>
+              <a:defRPr>
+                <a:latin typeface="Comfortaa" panose="00000500000000000000" pitchFamily="2" charset="0"/>
+              </a:defRPr>
+            </a:lvl3pPr>
+            <a:lvl4pPr>
+              <a:defRPr>
+                <a:latin typeface="Comfortaa" panose="00000500000000000000" pitchFamily="2" charset="0"/>
+              </a:defRPr>
+            </a:lvl4pPr>
+            <a:lvl5pPr>
+              <a:defRPr>
+                <a:latin typeface="Comfortaa" panose="00000500000000000000" pitchFamily="2" charset="0"/>
+              </a:defRPr>
+            </a:lvl5pPr>
+          </a:lstStyle>
           <a:p>
             <a:pPr lvl="0"/>
             <a:r>
@@ -2399,12 +2626,18 @@
         <p:spPr/>
         <p:txBody>
           <a:bodyPr/>
-          <a:lstStyle/>
+          <a:lstStyle>
+            <a:lvl1pPr>
+              <a:defRPr>
+                <a:latin typeface="Comfortaa" panose="00000500000000000000" pitchFamily="2" charset="0"/>
+              </a:defRPr>
+            </a:lvl1pPr>
+          </a:lstStyle>
           <a:p>
             <a:fld id="{9B3A1323-8D79-1946-B0D7-40001CF92E9D}" type="datetimeFigureOut">
-              <a:rPr lang="en-US" dirty="0"/>
+              <a:rPr lang="en-US" smtClean="0"/>
               <a:pPr/>
-              <a:t>9/20/2017</a:t>
+              <a:t>9/25/2017</a:t>
             </a:fld>
             <a:endParaRPr lang="en-US" dirty="0"/>
           </a:p>
@@ -2423,7 +2656,13 @@
         <p:spPr/>
         <p:txBody>
           <a:bodyPr/>
-          <a:lstStyle/>
+          <a:lstStyle>
+            <a:lvl1pPr>
+              <a:defRPr>
+                <a:latin typeface="Comfortaa" panose="00000500000000000000" pitchFamily="2" charset="0"/>
+              </a:defRPr>
+            </a:lvl1pPr>
+          </a:lstStyle>
           <a:p>
             <a:endParaRPr lang="en-US" dirty="0"/>
           </a:p>
@@ -2442,10 +2681,16 @@
         <p:spPr/>
         <p:txBody>
           <a:bodyPr/>
-          <a:lstStyle/>
+          <a:lstStyle>
+            <a:lvl1pPr>
+              <a:defRPr>
+                <a:latin typeface="Comfortaa" panose="00000500000000000000" pitchFamily="2" charset="0"/>
+              </a:defRPr>
+            </a:lvl1pPr>
+          </a:lstStyle>
           <a:p>
             <a:fld id="{D57F1E4F-1CFF-5643-939E-217C01CDF565}" type="slidenum">
-              <a:rPr lang="en-US" dirty="0"/>
+              <a:rPr lang="en-US" smtClean="0"/>
               <a:pPr/>
               <a:t>‹#›</a:t>
             </a:fld>
@@ -2595,7 +2840,9 @@
           <a:bodyPr anchor="b"/>
           <a:lstStyle>
             <a:lvl1pPr algn="r">
-              <a:defRPr sz="4800" b="1" cap="none"/>
+              <a:defRPr sz="4800" b="1" cap="none">
+                <a:latin typeface="Comfortaa" panose="00000500000000000000" pitchFamily="2" charset="0"/>
+              </a:defRPr>
             </a:lvl1pPr>
           </a:lstStyle>
           <a:p>
@@ -2634,6 +2881,7 @@
                 <a:solidFill>
                   <a:schemeClr val="tx1"/>
                 </a:solidFill>
+                <a:latin typeface="Comfortaa" panose="00000500000000000000" pitchFamily="2" charset="0"/>
               </a:defRPr>
             </a:lvl1pPr>
             <a:lvl2pPr marL="457200" indent="0">
@@ -2739,12 +2987,18 @@
         <p:spPr/>
         <p:txBody>
           <a:bodyPr/>
-          <a:lstStyle/>
+          <a:lstStyle>
+            <a:lvl1pPr>
+              <a:defRPr>
+                <a:latin typeface="Comfortaa" panose="00000500000000000000" pitchFamily="2" charset="0"/>
+              </a:defRPr>
+            </a:lvl1pPr>
+          </a:lstStyle>
           <a:p>
             <a:fld id="{8DFA1846-DA80-1C48-A609-854EA85C59AD}" type="datetimeFigureOut">
-              <a:rPr lang="en-US" dirty="0"/>
+              <a:rPr lang="en-US" smtClean="0"/>
               <a:pPr/>
-              <a:t>9/20/2017</a:t>
+              <a:t>9/25/2017</a:t>
             </a:fld>
             <a:endParaRPr lang="en-US" dirty="0"/>
           </a:p>
@@ -2763,7 +3017,13 @@
         <p:spPr/>
         <p:txBody>
           <a:bodyPr/>
-          <a:lstStyle/>
+          <a:lstStyle>
+            <a:lvl1pPr>
+              <a:defRPr>
+                <a:latin typeface="Comfortaa" panose="00000500000000000000" pitchFamily="2" charset="0"/>
+              </a:defRPr>
+            </a:lvl1pPr>
+          </a:lstStyle>
           <a:p>
             <a:endParaRPr lang="en-US" dirty="0"/>
           </a:p>
@@ -2782,10 +3042,16 @@
         <p:spPr/>
         <p:txBody>
           <a:bodyPr/>
-          <a:lstStyle/>
+          <a:lstStyle>
+            <a:lvl1pPr>
+              <a:defRPr>
+                <a:latin typeface="Comfortaa" panose="00000500000000000000" pitchFamily="2" charset="0"/>
+              </a:defRPr>
+            </a:lvl1pPr>
+          </a:lstStyle>
           <a:p>
             <a:fld id="{D57F1E4F-1CFF-5643-939E-217C01CDF565}" type="slidenum">
-              <a:rPr lang="en-US" dirty="0"/>
+              <a:rPr lang="en-US" smtClean="0"/>
               <a:pPr/>
               <a:t>‹#›</a:t>
             </a:fld>
@@ -2895,7 +3161,7 @@
           <a:ln/>
           <a:extLst>
             <a:ext uri="{91240B29-F687-4f45-9708-019B960494DF}">
-              <a14:hiddenLine xmlns:a14="http://schemas.microsoft.com/office/drawing/2010/main" xmlns="" w="9525">
+              <a14:hiddenLine xmlns="" xmlns:a14="http://schemas.microsoft.com/office/drawing/2010/main" w="9525">
                 <a:solidFill>
                   <a:srgbClr val="000000"/>
                 </a:solidFill>
@@ -2934,7 +3200,13 @@
         <p:spPr/>
         <p:txBody>
           <a:bodyPr/>
-          <a:lstStyle/>
+          <a:lstStyle>
+            <a:lvl1pPr>
+              <a:defRPr>
+                <a:latin typeface="Comfortaa" panose="00000500000000000000" pitchFamily="2" charset="0"/>
+              </a:defRPr>
+            </a:lvl1pPr>
+          </a:lstStyle>
           <a:p>
             <a:r>
               <a:rPr lang="en-US" smtClean="0"/>
@@ -2964,7 +3236,33 @@
           <a:bodyPr>
             <a:normAutofit/>
           </a:bodyPr>
-          <a:lstStyle/>
+          <a:lstStyle>
+            <a:lvl1pPr>
+              <a:defRPr>
+                <a:latin typeface="Comfortaa" panose="00000500000000000000" pitchFamily="2" charset="0"/>
+              </a:defRPr>
+            </a:lvl1pPr>
+            <a:lvl2pPr>
+              <a:defRPr>
+                <a:latin typeface="Comfortaa" panose="00000500000000000000" pitchFamily="2" charset="0"/>
+              </a:defRPr>
+            </a:lvl2pPr>
+            <a:lvl3pPr>
+              <a:defRPr>
+                <a:latin typeface="Comfortaa" panose="00000500000000000000" pitchFamily="2" charset="0"/>
+              </a:defRPr>
+            </a:lvl3pPr>
+            <a:lvl4pPr>
+              <a:defRPr>
+                <a:latin typeface="Comfortaa" panose="00000500000000000000" pitchFamily="2" charset="0"/>
+              </a:defRPr>
+            </a:lvl4pPr>
+            <a:lvl5pPr>
+              <a:defRPr>
+                <a:latin typeface="Comfortaa" panose="00000500000000000000" pitchFamily="2" charset="0"/>
+              </a:defRPr>
+            </a:lvl5pPr>
+          </a:lstStyle>
           <a:p>
             <a:pPr lvl="0"/>
             <a:r>
@@ -3023,7 +3321,33 @@
           <a:bodyPr>
             <a:normAutofit/>
           </a:bodyPr>
-          <a:lstStyle/>
+          <a:lstStyle>
+            <a:lvl1pPr>
+              <a:defRPr>
+                <a:latin typeface="Comfortaa" panose="00000500000000000000" pitchFamily="2" charset="0"/>
+              </a:defRPr>
+            </a:lvl1pPr>
+            <a:lvl2pPr>
+              <a:defRPr>
+                <a:latin typeface="Comfortaa" panose="00000500000000000000" pitchFamily="2" charset="0"/>
+              </a:defRPr>
+            </a:lvl2pPr>
+            <a:lvl3pPr>
+              <a:defRPr>
+                <a:latin typeface="Comfortaa" panose="00000500000000000000" pitchFamily="2" charset="0"/>
+              </a:defRPr>
+            </a:lvl3pPr>
+            <a:lvl4pPr>
+              <a:defRPr>
+                <a:latin typeface="Comfortaa" panose="00000500000000000000" pitchFamily="2" charset="0"/>
+              </a:defRPr>
+            </a:lvl4pPr>
+            <a:lvl5pPr>
+              <a:defRPr>
+                <a:latin typeface="Comfortaa" panose="00000500000000000000" pitchFamily="2" charset="0"/>
+              </a:defRPr>
+            </a:lvl5pPr>
+          </a:lstStyle>
           <a:p>
             <a:pPr lvl="0"/>
             <a:r>
@@ -3075,12 +3399,18 @@
         <p:spPr/>
         <p:txBody>
           <a:bodyPr/>
-          <a:lstStyle/>
+          <a:lstStyle>
+            <a:lvl1pPr>
+              <a:defRPr>
+                <a:latin typeface="Comfortaa" panose="00000500000000000000" pitchFamily="2" charset="0"/>
+              </a:defRPr>
+            </a:lvl1pPr>
+          </a:lstStyle>
           <a:p>
             <a:fld id="{57302355-E14B-8545-A8F8-0FE83CC9D524}" type="datetimeFigureOut">
-              <a:rPr lang="en-US" dirty="0"/>
+              <a:rPr lang="en-US" smtClean="0"/>
               <a:pPr/>
-              <a:t>9/20/2017</a:t>
+              <a:t>9/25/2017</a:t>
             </a:fld>
             <a:endParaRPr lang="en-US" dirty="0"/>
           </a:p>
@@ -3099,7 +3429,13 @@
         <p:spPr/>
         <p:txBody>
           <a:bodyPr/>
-          <a:lstStyle/>
+          <a:lstStyle>
+            <a:lvl1pPr>
+              <a:defRPr>
+                <a:latin typeface="Comfortaa" panose="00000500000000000000" pitchFamily="2" charset="0"/>
+              </a:defRPr>
+            </a:lvl1pPr>
+          </a:lstStyle>
           <a:p>
             <a:endParaRPr lang="en-US" dirty="0"/>
           </a:p>
@@ -3118,10 +3454,16 @@
         <p:spPr/>
         <p:txBody>
           <a:bodyPr/>
-          <a:lstStyle/>
+          <a:lstStyle>
+            <a:lvl1pPr>
+              <a:defRPr>
+                <a:latin typeface="Comfortaa" panose="00000500000000000000" pitchFamily="2" charset="0"/>
+              </a:defRPr>
+            </a:lvl1pPr>
+          </a:lstStyle>
           <a:p>
             <a:fld id="{D57F1E4F-1CFF-5643-939E-217C01CDF565}" type="slidenum">
-              <a:rPr lang="en-US" dirty="0"/>
+              <a:rPr lang="en-US" smtClean="0"/>
               <a:pPr/>
               <a:t>‹#›</a:t>
             </a:fld>
@@ -3231,7 +3573,7 @@
           <a:ln/>
           <a:extLst>
             <a:ext uri="{91240B29-F687-4f45-9708-019B960494DF}">
-              <a14:hiddenLine xmlns:a14="http://schemas.microsoft.com/office/drawing/2010/main" xmlns="" w="9525">
+              <a14:hiddenLine xmlns="" xmlns:a14="http://schemas.microsoft.com/office/drawing/2010/main" w="9525">
                 <a:solidFill>
                   <a:srgbClr val="000000"/>
                 </a:solidFill>
@@ -3272,7 +3614,9 @@
           <a:bodyPr/>
           <a:lstStyle>
             <a:lvl1pPr>
-              <a:defRPr/>
+              <a:defRPr>
+                <a:latin typeface="Comfortaa" panose="00000500000000000000" pitchFamily="2" charset="0"/>
+              </a:defRPr>
             </a:lvl1pPr>
           </a:lstStyle>
           <a:p>
@@ -3307,7 +3651,9 @@
           <a:lstStyle>
             <a:lvl1pPr marL="0" indent="0" algn="ctr">
               <a:buNone/>
-              <a:defRPr sz="2000" b="0"/>
+              <a:defRPr sz="2000" b="0">
+                <a:latin typeface="Comfortaa" panose="00000500000000000000" pitchFamily="2" charset="0"/>
+              </a:defRPr>
             </a:lvl1pPr>
             <a:lvl2pPr marL="457200" indent="0">
               <a:buNone/>
@@ -3371,7 +3717,33 @@
           <a:bodyPr anchor="t">
             <a:normAutofit/>
           </a:bodyPr>
-          <a:lstStyle/>
+          <a:lstStyle>
+            <a:lvl1pPr>
+              <a:defRPr>
+                <a:latin typeface="Comfortaa" panose="00000500000000000000" pitchFamily="2" charset="0"/>
+              </a:defRPr>
+            </a:lvl1pPr>
+            <a:lvl2pPr>
+              <a:defRPr>
+                <a:latin typeface="Comfortaa" panose="00000500000000000000" pitchFamily="2" charset="0"/>
+              </a:defRPr>
+            </a:lvl2pPr>
+            <a:lvl3pPr>
+              <a:defRPr>
+                <a:latin typeface="Comfortaa" panose="00000500000000000000" pitchFamily="2" charset="0"/>
+              </a:defRPr>
+            </a:lvl3pPr>
+            <a:lvl4pPr>
+              <a:defRPr>
+                <a:latin typeface="Comfortaa" panose="00000500000000000000" pitchFamily="2" charset="0"/>
+              </a:defRPr>
+            </a:lvl4pPr>
+            <a:lvl5pPr>
+              <a:defRPr>
+                <a:latin typeface="Comfortaa" panose="00000500000000000000" pitchFamily="2" charset="0"/>
+              </a:defRPr>
+            </a:lvl5pPr>
+          </a:lstStyle>
           <a:p>
             <a:pPr lvl="0"/>
             <a:r>
@@ -3433,7 +3805,9 @@
           <a:lstStyle>
             <a:lvl1pPr marL="0" indent="0" algn="ctr">
               <a:buNone/>
-              <a:defRPr sz="2000" b="0"/>
+              <a:defRPr sz="2000" b="0">
+                <a:latin typeface="Comfortaa" panose="00000500000000000000" pitchFamily="2" charset="0"/>
+              </a:defRPr>
             </a:lvl1pPr>
             <a:lvl2pPr marL="457200" indent="0">
               <a:buNone/>
@@ -3497,7 +3871,33 @@
           <a:bodyPr anchor="t">
             <a:normAutofit/>
           </a:bodyPr>
-          <a:lstStyle/>
+          <a:lstStyle>
+            <a:lvl1pPr>
+              <a:defRPr>
+                <a:latin typeface="Comfortaa" panose="00000500000000000000" pitchFamily="2" charset="0"/>
+              </a:defRPr>
+            </a:lvl1pPr>
+            <a:lvl2pPr>
+              <a:defRPr>
+                <a:latin typeface="Comfortaa" panose="00000500000000000000" pitchFamily="2" charset="0"/>
+              </a:defRPr>
+            </a:lvl2pPr>
+            <a:lvl3pPr>
+              <a:defRPr>
+                <a:latin typeface="Comfortaa" panose="00000500000000000000" pitchFamily="2" charset="0"/>
+              </a:defRPr>
+            </a:lvl3pPr>
+            <a:lvl4pPr>
+              <a:defRPr>
+                <a:latin typeface="Comfortaa" panose="00000500000000000000" pitchFamily="2" charset="0"/>
+              </a:defRPr>
+            </a:lvl4pPr>
+            <a:lvl5pPr>
+              <a:defRPr>
+                <a:latin typeface="Comfortaa" panose="00000500000000000000" pitchFamily="2" charset="0"/>
+              </a:defRPr>
+            </a:lvl5pPr>
+          </a:lstStyle>
           <a:p>
             <a:pPr lvl="0"/>
             <a:r>
@@ -3549,12 +3949,18 @@
         <p:spPr/>
         <p:txBody>
           <a:bodyPr/>
-          <a:lstStyle/>
+          <a:lstStyle>
+            <a:lvl1pPr>
+              <a:defRPr>
+                <a:latin typeface="Comfortaa" panose="00000500000000000000" pitchFamily="2" charset="0"/>
+              </a:defRPr>
+            </a:lvl1pPr>
+          </a:lstStyle>
           <a:p>
             <a:fld id="{02640F58-564D-2B4F-AE67-E407BA4FCF45}" type="datetimeFigureOut">
-              <a:rPr lang="en-US" dirty="0"/>
+              <a:rPr lang="en-US" smtClean="0"/>
               <a:pPr/>
-              <a:t>9/20/2017</a:t>
+              <a:t>9/25/2017</a:t>
             </a:fld>
             <a:endParaRPr lang="en-US" dirty="0"/>
           </a:p>
@@ -3573,7 +3979,13 @@
         <p:spPr/>
         <p:txBody>
           <a:bodyPr/>
-          <a:lstStyle/>
+          <a:lstStyle>
+            <a:lvl1pPr>
+              <a:defRPr>
+                <a:latin typeface="Comfortaa" panose="00000500000000000000" pitchFamily="2" charset="0"/>
+              </a:defRPr>
+            </a:lvl1pPr>
+          </a:lstStyle>
           <a:p>
             <a:endParaRPr lang="en-US" dirty="0"/>
           </a:p>
@@ -3592,10 +4004,16 @@
         <p:spPr/>
         <p:txBody>
           <a:bodyPr/>
-          <a:lstStyle/>
+          <a:lstStyle>
+            <a:lvl1pPr>
+              <a:defRPr>
+                <a:latin typeface="Comfortaa" panose="00000500000000000000" pitchFamily="2" charset="0"/>
+              </a:defRPr>
+            </a:lvl1pPr>
+          </a:lstStyle>
           <a:p>
             <a:fld id="{D57F1E4F-1CFF-5643-939E-217C01CDF565}" type="slidenum">
-              <a:rPr lang="en-US" dirty="0"/>
+              <a:rPr lang="en-US" smtClean="0"/>
               <a:pPr/>
               <a:t>‹#›</a:t>
             </a:fld>
@@ -3705,7 +4123,7 @@
           <a:ln/>
           <a:extLst>
             <a:ext uri="{91240B29-F687-4f45-9708-019B960494DF}">
-              <a14:hiddenLine xmlns:a14="http://schemas.microsoft.com/office/drawing/2010/main" xmlns="" w="9525">
+              <a14:hiddenLine xmlns="" xmlns:a14="http://schemas.microsoft.com/office/drawing/2010/main" w="9525">
                 <a:solidFill>
                   <a:srgbClr val="000000"/>
                 </a:solidFill>
@@ -3744,7 +4162,13 @@
         <p:spPr/>
         <p:txBody>
           <a:bodyPr/>
-          <a:lstStyle/>
+          <a:lstStyle>
+            <a:lvl1pPr>
+              <a:defRPr>
+                <a:latin typeface="Comfortaa" panose="00000500000000000000" pitchFamily="2" charset="0"/>
+              </a:defRPr>
+            </a:lvl1pPr>
+          </a:lstStyle>
           <a:p>
             <a:r>
               <a:rPr lang="en-US" smtClean="0"/>
@@ -3767,12 +4191,18 @@
         <p:spPr/>
         <p:txBody>
           <a:bodyPr/>
-          <a:lstStyle/>
+          <a:lstStyle>
+            <a:lvl1pPr>
+              <a:defRPr>
+                <a:latin typeface="Comfortaa" panose="00000500000000000000" pitchFamily="2" charset="0"/>
+              </a:defRPr>
+            </a:lvl1pPr>
+          </a:lstStyle>
           <a:p>
             <a:fld id="{F13A34C8-038E-2045-AF43-DF7DBB8E0E9E}" type="datetimeFigureOut">
-              <a:rPr lang="en-US" dirty="0"/>
+              <a:rPr lang="en-US" smtClean="0"/>
               <a:pPr/>
-              <a:t>9/20/2017</a:t>
+              <a:t>9/25/2017</a:t>
             </a:fld>
             <a:endParaRPr lang="en-US" dirty="0"/>
           </a:p>
@@ -3791,7 +4221,13 @@
         <p:spPr/>
         <p:txBody>
           <a:bodyPr/>
-          <a:lstStyle/>
+          <a:lstStyle>
+            <a:lvl1pPr>
+              <a:defRPr>
+                <a:latin typeface="Comfortaa" panose="00000500000000000000" pitchFamily="2" charset="0"/>
+              </a:defRPr>
+            </a:lvl1pPr>
+          </a:lstStyle>
           <a:p>
             <a:endParaRPr lang="en-US" dirty="0"/>
           </a:p>
@@ -3810,10 +4246,16 @@
         <p:spPr/>
         <p:txBody>
           <a:bodyPr/>
-          <a:lstStyle/>
+          <a:lstStyle>
+            <a:lvl1pPr>
+              <a:defRPr>
+                <a:latin typeface="Comfortaa" panose="00000500000000000000" pitchFamily="2" charset="0"/>
+              </a:defRPr>
+            </a:lvl1pPr>
+          </a:lstStyle>
           <a:p>
             <a:fld id="{D57F1E4F-1CFF-5643-939E-217C01CDF565}" type="slidenum">
-              <a:rPr lang="en-US" dirty="0"/>
+              <a:rPr lang="en-US" smtClean="0"/>
               <a:pPr/>
               <a:t>‹#›</a:t>
             </a:fld>
@@ -3859,12 +4301,18 @@
         <p:spPr/>
         <p:txBody>
           <a:bodyPr/>
-          <a:lstStyle/>
+          <a:lstStyle>
+            <a:lvl1pPr>
+              <a:defRPr>
+                <a:latin typeface="Comfortaa" panose="00000500000000000000" pitchFamily="2" charset="0"/>
+              </a:defRPr>
+            </a:lvl1pPr>
+          </a:lstStyle>
           <a:p>
             <a:fld id="{8818C68F-D26B-8F47-958C-23B49CF8A634}" type="datetimeFigureOut">
-              <a:rPr lang="en-US" dirty="0"/>
+              <a:rPr lang="en-US" smtClean="0"/>
               <a:pPr/>
-              <a:t>9/20/2017</a:t>
+              <a:t>9/25/2017</a:t>
             </a:fld>
             <a:endParaRPr lang="en-US" dirty="0"/>
           </a:p>
@@ -3883,7 +4331,13 @@
         <p:spPr/>
         <p:txBody>
           <a:bodyPr/>
-          <a:lstStyle/>
+          <a:lstStyle>
+            <a:lvl1pPr>
+              <a:defRPr>
+                <a:latin typeface="Comfortaa" panose="00000500000000000000" pitchFamily="2" charset="0"/>
+              </a:defRPr>
+            </a:lvl1pPr>
+          </a:lstStyle>
           <a:p>
             <a:endParaRPr lang="en-US" dirty="0"/>
           </a:p>
@@ -3902,10 +4356,16 @@
         <p:spPr/>
         <p:txBody>
           <a:bodyPr/>
-          <a:lstStyle/>
+          <a:lstStyle>
+            <a:lvl1pPr>
+              <a:defRPr>
+                <a:latin typeface="Comfortaa" panose="00000500000000000000" pitchFamily="2" charset="0"/>
+              </a:defRPr>
+            </a:lvl1pPr>
+          </a:lstStyle>
           <a:p>
             <a:fld id="{D57F1E4F-1CFF-5643-939E-217C01CDF565}" type="slidenum">
-              <a:rPr lang="en-US" dirty="0"/>
+              <a:rPr lang="en-US" smtClean="0"/>
               <a:pPr/>
               <a:t>‹#›</a:t>
             </a:fld>
@@ -4128,7 +4588,7 @@
           <a:ln/>
           <a:extLst>
             <a:ext uri="{91240B29-F687-4f45-9708-019B960494DF}">
-              <a14:hiddenLine xmlns:a14="http://schemas.microsoft.com/office/drawing/2010/main" xmlns="" w="9525">
+              <a14:hiddenLine xmlns="" xmlns:a14="http://schemas.microsoft.com/office/drawing/2010/main" w="9525">
                 <a:solidFill>
                   <a:srgbClr val="000000"/>
                 </a:solidFill>
@@ -4174,7 +4634,9 @@
           <a:bodyPr anchor="b"/>
           <a:lstStyle>
             <a:lvl1pPr algn="l">
-              <a:defRPr sz="2000" b="1"/>
+              <a:defRPr sz="2000" b="1">
+                <a:latin typeface="Comfortaa" panose="00000500000000000000" pitchFamily="2" charset="0"/>
+              </a:defRPr>
             </a:lvl1pPr>
           </a:lstStyle>
           <a:p>
@@ -4206,7 +4668,33 @@
           <a:bodyPr>
             <a:normAutofit/>
           </a:bodyPr>
-          <a:lstStyle/>
+          <a:lstStyle>
+            <a:lvl1pPr>
+              <a:defRPr>
+                <a:latin typeface="Comfortaa" panose="00000500000000000000" pitchFamily="2" charset="0"/>
+              </a:defRPr>
+            </a:lvl1pPr>
+            <a:lvl2pPr>
+              <a:defRPr>
+                <a:latin typeface="Comfortaa" panose="00000500000000000000" pitchFamily="2" charset="0"/>
+              </a:defRPr>
+            </a:lvl2pPr>
+            <a:lvl3pPr>
+              <a:defRPr>
+                <a:latin typeface="Comfortaa" panose="00000500000000000000" pitchFamily="2" charset="0"/>
+              </a:defRPr>
+            </a:lvl3pPr>
+            <a:lvl4pPr>
+              <a:defRPr>
+                <a:latin typeface="Comfortaa" panose="00000500000000000000" pitchFamily="2" charset="0"/>
+              </a:defRPr>
+            </a:lvl4pPr>
+            <a:lvl5pPr>
+              <a:defRPr>
+                <a:latin typeface="Comfortaa" panose="00000500000000000000" pitchFamily="2" charset="0"/>
+              </a:defRPr>
+            </a:lvl5pPr>
+          </a:lstStyle>
           <a:p>
             <a:pPr lvl="0"/>
             <a:r>
@@ -4266,7 +4754,9 @@
           <a:lstStyle>
             <a:lvl1pPr marL="0" indent="0">
               <a:buNone/>
-              <a:defRPr sz="1400"/>
+              <a:defRPr sz="1400">
+                <a:latin typeface="Comfortaa" panose="00000500000000000000" pitchFamily="2" charset="0"/>
+              </a:defRPr>
             </a:lvl1pPr>
             <a:lvl2pPr marL="457200" indent="0">
               <a:buNone/>
@@ -4323,12 +4813,18 @@
         <p:spPr/>
         <p:txBody>
           <a:bodyPr/>
-          <a:lstStyle/>
+          <a:lstStyle>
+            <a:lvl1pPr>
+              <a:defRPr>
+                <a:latin typeface="Comfortaa" panose="00000500000000000000" pitchFamily="2" charset="0"/>
+              </a:defRPr>
+            </a:lvl1pPr>
+          </a:lstStyle>
           <a:p>
             <a:fld id="{D0DF5E60-9974-AC48-9591-99C2BB44B7CF}" type="datetimeFigureOut">
-              <a:rPr lang="en-US" dirty="0"/>
+              <a:rPr lang="en-US" smtClean="0"/>
               <a:pPr/>
-              <a:t>9/20/2017</a:t>
+              <a:t>9/25/2017</a:t>
             </a:fld>
             <a:endParaRPr lang="en-US" dirty="0"/>
           </a:p>
@@ -4347,7 +4843,13 @@
         <p:spPr/>
         <p:txBody>
           <a:bodyPr/>
-          <a:lstStyle/>
+          <a:lstStyle>
+            <a:lvl1pPr>
+              <a:defRPr>
+                <a:latin typeface="Comfortaa" panose="00000500000000000000" pitchFamily="2" charset="0"/>
+              </a:defRPr>
+            </a:lvl1pPr>
+          </a:lstStyle>
           <a:p>
             <a:endParaRPr lang="en-US" dirty="0"/>
           </a:p>
@@ -4366,10 +4868,16 @@
         <p:spPr/>
         <p:txBody>
           <a:bodyPr/>
-          <a:lstStyle/>
+          <a:lstStyle>
+            <a:lvl1pPr>
+              <a:defRPr>
+                <a:latin typeface="Comfortaa" panose="00000500000000000000" pitchFamily="2" charset="0"/>
+              </a:defRPr>
+            </a:lvl1pPr>
+          </a:lstStyle>
           <a:p>
             <a:fld id="{D57F1E4F-1CFF-5643-939E-217C01CDF565}" type="slidenum">
-              <a:rPr lang="en-US" dirty="0"/>
+              <a:rPr lang="en-US" smtClean="0"/>
               <a:pPr/>
               <a:t>‹#›</a:t>
             </a:fld>
@@ -4424,7 +4932,9 @@
           </a:bodyPr>
           <a:lstStyle>
             <a:lvl1pPr algn="l">
-              <a:defRPr sz="2400" b="0"/>
+              <a:defRPr sz="2400" b="0">
+                <a:latin typeface="Comfortaa" panose="00000500000000000000" pitchFamily="2" charset="0"/>
+              </a:defRPr>
             </a:lvl1pPr>
           </a:lstStyle>
           <a:p>
@@ -4536,7 +5046,9 @@
             <a:lvl1pPr algn="ctr">
               <a:buFontTx/>
               <a:buNone/>
-              <a:defRPr sz="1400"/>
+              <a:defRPr sz="1400">
+                <a:latin typeface="Comfortaa" panose="00000500000000000000" pitchFamily="2" charset="0"/>
+              </a:defRPr>
             </a:lvl1pPr>
           </a:lstStyle>
           <a:p>
@@ -4571,7 +5083,9 @@
           <a:lstStyle>
             <a:lvl1pPr marL="0" indent="0">
               <a:buNone/>
-              <a:defRPr sz="1200"/>
+              <a:defRPr sz="1200">
+                <a:latin typeface="Comfortaa" panose="00000500000000000000" pitchFamily="2" charset="0"/>
+              </a:defRPr>
             </a:lvl1pPr>
             <a:lvl2pPr marL="457200" indent="0">
               <a:buNone/>
@@ -4633,12 +5147,18 @@
         </p:spPr>
         <p:txBody>
           <a:bodyPr/>
-          <a:lstStyle/>
+          <a:lstStyle>
+            <a:lvl1pPr>
+              <a:defRPr>
+                <a:latin typeface="Comfortaa" panose="00000500000000000000" pitchFamily="2" charset="0"/>
+              </a:defRPr>
+            </a:lvl1pPr>
+          </a:lstStyle>
           <a:p>
             <a:fld id="{18C79C5D-2A6F-F04D-97DA-BEF2467B64E4}" type="datetimeFigureOut">
-              <a:rPr lang="en-US" dirty="0"/>
+              <a:rPr lang="en-US" smtClean="0"/>
               <a:pPr/>
-              <a:t>9/20/2017</a:t>
+              <a:t>9/25/2017</a:t>
             </a:fld>
             <a:endParaRPr lang="en-US" dirty="0"/>
           </a:p>
@@ -4662,7 +5182,13 @@
         </p:spPr>
         <p:txBody>
           <a:bodyPr/>
-          <a:lstStyle/>
+          <a:lstStyle>
+            <a:lvl1pPr>
+              <a:defRPr>
+                <a:latin typeface="Comfortaa" panose="00000500000000000000" pitchFamily="2" charset="0"/>
+              </a:defRPr>
+            </a:lvl1pPr>
+          </a:lstStyle>
           <a:p>
             <a:endParaRPr lang="en-US" dirty="0"/>
           </a:p>
@@ -4686,10 +5212,16 @@
         </p:spPr>
         <p:txBody>
           <a:bodyPr/>
-          <a:lstStyle/>
+          <a:lstStyle>
+            <a:lvl1pPr>
+              <a:defRPr>
+                <a:latin typeface="Comfortaa" panose="00000500000000000000" pitchFamily="2" charset="0"/>
+              </a:defRPr>
+            </a:lvl1pPr>
+          </a:lstStyle>
           <a:p>
             <a:fld id="{D57F1E4F-1CFF-5643-939E-217C01CDF565}" type="slidenum">
-              <a:rPr lang="en-US" dirty="0"/>
+              <a:rPr lang="en-US" smtClean="0"/>
               <a:pPr/>
               <a:t>‹#›</a:t>
             </a:fld>
@@ -4905,7 +5437,7 @@
             <a:fld id="{09B482E8-6E0E-1B4F-B1FD-C69DB9E858D9}" type="datetimeFigureOut">
               <a:rPr lang="en-US" dirty="0"/>
               <a:pPr/>
-              <a:t>9/20/2017</a:t>
+              <a:t>9/25/2017</a:t>
             </a:fld>
             <a:endParaRPr lang="en-US" dirty="0"/>
           </a:p>
@@ -5353,33 +5885,6 @@
       </p:grpSpPr>
       <p:sp>
         <p:nvSpPr>
-          <p:cNvPr id="2" name="Title 1"/>
-          <p:cNvSpPr>
-            <a:spLocks noGrp="1"/>
-          </p:cNvSpPr>
-          <p:nvPr>
-            <p:ph type="ctrTitle"/>
-          </p:nvPr>
-        </p:nvSpPr>
-        <p:spPr/>
-        <p:txBody>
-          <a:bodyPr/>
-          <a:lstStyle/>
-          <a:p>
-            <a:r>
-              <a:rPr lang="en-US" sz="9600" dirty="0" smtClean="0"/>
-              <a:t>#</a:t>
-            </a:r>
-            <a:r>
-              <a:rPr lang="en-US" sz="9600" dirty="0" err="1" smtClean="0"/>
-              <a:t>maptimeDavis</a:t>
-            </a:r>
-            <a:endParaRPr lang="en-US" sz="9600" dirty="0"/>
-          </a:p>
-        </p:txBody>
-      </p:sp>
-      <p:sp>
-        <p:nvSpPr>
           <p:cNvPr id="3" name="Subtitle 2"/>
           <p:cNvSpPr>
             <a:spLocks noGrp="1"/>
@@ -5396,13 +5901,47 @@
           <a:lstStyle/>
           <a:p>
             <a:r>
-              <a:rPr lang="en-US" sz="6000" dirty="0" smtClean="0"/>
+              <a:rPr lang="en-US" sz="6000" dirty="0" smtClean="0">
+                <a:latin typeface="Comfortaa" panose="00000500000000000000" pitchFamily="2" charset="0"/>
+              </a:rPr>
               <a:t>Welcome!</a:t>
             </a:r>
-            <a:endParaRPr lang="en-US" sz="6000" dirty="0"/>
-          </a:p>
-        </p:txBody>
-      </p:sp>
+            <a:endParaRPr lang="en-US" sz="6000" dirty="0">
+              <a:latin typeface="Comfortaa" panose="00000500000000000000" pitchFamily="2" charset="0"/>
+            </a:endParaRPr>
+          </a:p>
+        </p:txBody>
+      </p:sp>
+      <p:pic>
+        <p:nvPicPr>
+          <p:cNvPr id="7" name="Picture 6"/>
+          <p:cNvPicPr>
+            <a:picLocks noChangeAspect="1"/>
+          </p:cNvPicPr>
+          <p:nvPr/>
+        </p:nvPicPr>
+        <p:blipFill>
+          <a:blip r:embed="rId2">
+            <a:extLst>
+              <a:ext uri="{28A0092B-C50C-407E-A947-70E740481C1C}">
+                <a14:useLocalDpi xmlns:a14="http://schemas.microsoft.com/office/drawing/2010/main" val="0"/>
+              </a:ext>
+            </a:extLst>
+          </a:blip>
+          <a:stretch>
+            <a:fillRect/>
+          </a:stretch>
+        </p:blipFill>
+        <p:spPr>
+          <a:xfrm>
+            <a:off x="299906" y="3375804"/>
+            <a:ext cx="11592189" cy="1469679"/>
+          </a:xfrm>
+          <a:prstGeom prst="rect">
+            <a:avLst/>
+          </a:prstGeom>
+        </p:spPr>
+      </p:pic>
     </p:spTree>
     <p:extLst>
       <p:ext uri="{BB962C8B-B14F-4D97-AF65-F5344CB8AC3E}">
